--- a/sa/文档/2018 软件体系结构（05）：工厂模式.pptx
+++ b/sa/文档/2018 软件体系结构（05）：工厂模式.pptx
@@ -5,14 +5,14 @@
     <p:sldMasterId id="2147483648" r:id="rId1"/>
   </p:sldMasterIdLst>
   <p:notesMasterIdLst>
-    <p:notesMasterId r:id="rId4"/>
+    <p:notesMasterId r:id="rId7"/>
   </p:notesMasterIdLst>
   <p:sldIdLst>
-    <p:sldId id="256" r:id="rId3"/>
-    <p:sldId id="257" r:id="rId5"/>
-    <p:sldId id="258" r:id="rId6"/>
-    <p:sldId id="259" r:id="rId7"/>
-    <p:sldId id="260" r:id="rId8"/>
+    <p:sldId id="256" r:id="rId2"/>
+    <p:sldId id="257" r:id="rId3"/>
+    <p:sldId id="258" r:id="rId4"/>
+    <p:sldId id="259" r:id="rId5"/>
+    <p:sldId id="260" r:id="rId6"/>
   </p:sldIdLst>
   <p:sldSz cx="12192000" cy="6858000"/>
   <p:notesSz cx="6858000" cy="9144000"/>
@@ -111,6 +111,11 @@
       </a:defRPr>
     </a:lvl9pPr>
   </p:defaultTextStyle>
+  <p:extLst>
+    <p:ext uri="{EFAFB233-063F-42B5-8137-9DF3F51BA10A}">
+      <p15:sldGuideLst xmlns:p15="http://schemas.microsoft.com/office/powerpoint/2012/main"/>
+    </p:ext>
+  </p:extLst>
 </p:presentation>
 </file>
 
@@ -196,6 +201,7 @@
           <a:p>
             <a:fld id="{7F25A8C7-CC1A-4A08-9B4B-31F43B054C7F}" type="datetimeFigureOut">
               <a:rPr lang="zh-CN" altLang="en-US" smtClean="0"/>
+              <a:t>2018/6/4 Monday</a:t>
             </a:fld>
             <a:endParaRPr lang="zh-CN" altLang="en-US"/>
           </a:p>
@@ -262,7 +268,6 @@
               <a:rPr lang="zh-CN" altLang="en-US"/>
               <a:t>单击此处编辑母版文本样式</a:t>
             </a:r>
-            <a:endParaRPr lang="zh-CN" altLang="en-US"/>
           </a:p>
           <a:p>
             <a:pPr lvl="1"/>
@@ -270,7 +275,6 @@
               <a:rPr lang="zh-CN" altLang="en-US"/>
               <a:t>第二级</a:t>
             </a:r>
-            <a:endParaRPr lang="zh-CN" altLang="en-US"/>
           </a:p>
           <a:p>
             <a:pPr lvl="2"/>
@@ -278,7 +282,6 @@
               <a:rPr lang="zh-CN" altLang="en-US"/>
               <a:t>第三级</a:t>
             </a:r>
-            <a:endParaRPr lang="zh-CN" altLang="en-US"/>
           </a:p>
           <a:p>
             <a:pPr lvl="3"/>
@@ -286,7 +289,6 @@
               <a:rPr lang="zh-CN" altLang="en-US"/>
               <a:t>第四级</a:t>
             </a:r>
-            <a:endParaRPr lang="zh-CN" altLang="en-US"/>
           </a:p>
           <a:p>
             <a:pPr lvl="4"/>
@@ -294,7 +296,6 @@
               <a:rPr lang="zh-CN" altLang="en-US"/>
               <a:t>第五级</a:t>
             </a:r>
-            <a:endParaRPr lang="zh-CN" altLang="en-US"/>
           </a:p>
         </p:txBody>
       </p:sp>
@@ -358,12 +359,18 @@
           <a:p>
             <a:fld id="{F9E1B693-632D-4080-9CF6-EA28B66DC801}" type="slidenum">
               <a:rPr lang="zh-CN" altLang="en-US" smtClean="0"/>
+              <a:t>‹#›</a:t>
             </a:fld>
             <a:endParaRPr lang="zh-CN" altLang="en-US"/>
           </a:p>
         </p:txBody>
       </p:sp>
     </p:spTree>
+    <p:extLst>
+      <p:ext uri="{BB962C8B-B14F-4D97-AF65-F5344CB8AC3E}">
+        <p14:creationId xmlns:p14="http://schemas.microsoft.com/office/powerpoint/2010/main" val="2390083373"/>
+      </p:ext>
+    </p:extLst>
   </p:cSld>
   <p:clrMap bg1="lt1" tx1="dk1" bg2="lt2" tx2="dk2" accent1="accent1" accent2="accent2" accent3="accent3" accent4="accent4" accent5="accent5" accent6="accent6" hlink="hlink" folHlink="folHlink"/>
   <p:notesStyle>
@@ -554,6 +561,7 @@
                 <a:latin typeface="Calibri" panose="020F0502020204030204" pitchFamily="34" charset="0"/>
                 <a:ea typeface="微软雅黑" panose="020B0503020204020204" pitchFamily="34" charset="-122"/>
               </a:rPr>
+              <a:t>1</a:t>
             </a:fld>
             <a:endParaRPr kumimoji="0" lang="zh-CN" altLang="en-US" sz="1200" b="0" i="0" u="none" strike="noStrike" kern="1200" cap="none" spc="0" normalizeH="0" baseline="0" noProof="0">
               <a:ln>
@@ -572,6 +580,11 @@
         </p:txBody>
       </p:sp>
     </p:spTree>
+    <p:extLst>
+      <p:ext uri="{BB962C8B-B14F-4D97-AF65-F5344CB8AC3E}">
+        <p14:creationId xmlns:p14="http://schemas.microsoft.com/office/powerpoint/2010/main" val="3927952799"/>
+      </p:ext>
+    </p:extLst>
   </p:cSld>
   <p:clrMapOvr>
     <a:masterClrMapping/>
@@ -626,7 +639,6 @@
               <a:rPr lang="zh-CN" altLang="en-US" dirty="0"/>
               <a:t>单击此处编辑标题</a:t>
             </a:r>
-            <a:endParaRPr lang="zh-CN" altLang="en-US" dirty="0"/>
           </a:p>
         </p:txBody>
       </p:sp>
@@ -693,7 +705,6 @@
               <a:rPr lang="zh-CN" altLang="en-US" dirty="0"/>
               <a:t>单击此处编辑母版副标题样式</a:t>
             </a:r>
-            <a:endParaRPr lang="zh-CN" altLang="en-US" dirty="0"/>
           </a:p>
         </p:txBody>
       </p:sp>
@@ -714,6 +725,7 @@
           <a:p>
             <a:fld id="{D997B5FA-0921-464F-AAE1-844C04324D75}" type="datetimeFigureOut">
               <a:rPr lang="zh-CN" altLang="en-US" smtClean="0"/>
+              <a:t>2018/6/4 Monday</a:t>
             </a:fld>
             <a:endParaRPr lang="zh-CN" altLang="en-US" dirty="0"/>
           </a:p>
@@ -755,6 +767,7 @@
           <a:p>
             <a:fld id="{565CE74E-AB26-4998-AD42-012C4C1AD076}" type="slidenum">
               <a:rPr lang="zh-CN" altLang="en-US" smtClean="0"/>
+              <a:t>‹#›</a:t>
             </a:fld>
             <a:endParaRPr lang="zh-CN" altLang="en-US"/>
           </a:p>
@@ -802,6 +815,7 @@
           <a:p>
             <a:fld id="{760FBDFE-C587-4B4C-A407-44438C67B59E}" type="datetimeFigureOut">
               <a:rPr lang="zh-CN" altLang="en-US" smtClean="0"/>
+              <a:t>2018/6/4 Monday</a:t>
             </a:fld>
             <a:endParaRPr lang="zh-CN" altLang="en-US"/>
           </a:p>
@@ -843,6 +857,7 @@
           <a:p>
             <a:fld id="{49AE70B2-8BF9-45C0-BB95-33D1B9D3A854}" type="slidenum">
               <a:rPr lang="zh-CN" altLang="en-US" smtClean="0"/>
+              <a:t>‹#›</a:t>
             </a:fld>
             <a:endParaRPr lang="zh-CN" altLang="en-US"/>
           </a:p>
@@ -873,7 +888,6 @@
               <a:rPr lang="zh-CN" altLang="en-US" dirty="0"/>
               <a:t>单击此处编辑母版文本样式</a:t>
             </a:r>
-            <a:endParaRPr lang="zh-CN" altLang="en-US" dirty="0"/>
           </a:p>
           <a:p>
             <a:pPr lvl="1"/>
@@ -881,7 +895,6 @@
               <a:rPr lang="zh-CN" altLang="en-US" dirty="0"/>
               <a:t>第二级</a:t>
             </a:r>
-            <a:endParaRPr lang="zh-CN" altLang="en-US" dirty="0"/>
           </a:p>
           <a:p>
             <a:pPr lvl="2"/>
@@ -889,7 +902,6 @@
               <a:rPr lang="zh-CN" altLang="en-US" dirty="0"/>
               <a:t>第三级</a:t>
             </a:r>
-            <a:endParaRPr lang="zh-CN" altLang="en-US" dirty="0"/>
           </a:p>
           <a:p>
             <a:pPr lvl="3"/>
@@ -897,7 +909,6 @@
               <a:rPr lang="zh-CN" altLang="en-US" dirty="0"/>
               <a:t>第四级</a:t>
             </a:r>
-            <a:endParaRPr lang="zh-CN" altLang="en-US" dirty="0"/>
           </a:p>
           <a:p>
             <a:pPr lvl="4"/>
@@ -905,7 +916,6 @@
               <a:rPr lang="zh-CN" altLang="en-US" dirty="0"/>
               <a:t>第五级</a:t>
             </a:r>
-            <a:endParaRPr lang="zh-CN" altLang="en-US" dirty="0"/>
           </a:p>
         </p:txBody>
       </p:sp>
@@ -953,7 +963,6 @@
               <a:rPr lang="zh-CN" altLang="en-US" dirty="0"/>
               <a:t>单击此处编辑母版标题样式</a:t>
             </a:r>
-            <a:endParaRPr lang="zh-CN" altLang="en-US" dirty="0"/>
           </a:p>
         </p:txBody>
       </p:sp>
@@ -993,7 +1002,6 @@
               <a:rPr lang="zh-CN" altLang="en-US" dirty="0"/>
               <a:t>单击此处编辑母版文本样式</a:t>
             </a:r>
-            <a:endParaRPr lang="zh-CN" altLang="en-US" dirty="0"/>
           </a:p>
           <a:p>
             <a:pPr lvl="1"/>
@@ -1001,7 +1009,6 @@
               <a:rPr lang="zh-CN" altLang="en-US" dirty="0"/>
               <a:t>第二级</a:t>
             </a:r>
-            <a:endParaRPr lang="zh-CN" altLang="en-US" dirty="0"/>
           </a:p>
           <a:p>
             <a:pPr lvl="2"/>
@@ -1009,7 +1016,6 @@
               <a:rPr lang="zh-CN" altLang="en-US" dirty="0"/>
               <a:t>第三级</a:t>
             </a:r>
-            <a:endParaRPr lang="zh-CN" altLang="en-US" dirty="0"/>
           </a:p>
           <a:p>
             <a:pPr lvl="3"/>
@@ -1017,7 +1023,6 @@
               <a:rPr lang="zh-CN" altLang="en-US" dirty="0"/>
               <a:t>第四级</a:t>
             </a:r>
-            <a:endParaRPr lang="zh-CN" altLang="en-US" dirty="0"/>
           </a:p>
           <a:p>
             <a:pPr lvl="4"/>
@@ -1025,7 +1030,6 @@
               <a:rPr lang="zh-CN" altLang="en-US" dirty="0"/>
               <a:t>第五级</a:t>
             </a:r>
-            <a:endParaRPr lang="zh-CN" altLang="en-US" dirty="0"/>
           </a:p>
         </p:txBody>
       </p:sp>
@@ -1046,6 +1050,7 @@
           <a:p>
             <a:fld id="{760FBDFE-C587-4B4C-A407-44438C67B59E}" type="datetimeFigureOut">
               <a:rPr lang="zh-CN" altLang="en-US" smtClean="0"/>
+              <a:t>2018/6/4 Monday</a:t>
             </a:fld>
             <a:endParaRPr lang="zh-CN" altLang="en-US" dirty="0"/>
           </a:p>
@@ -1087,6 +1092,7 @@
           <a:p>
             <a:fld id="{49AE70B2-8BF9-45C0-BB95-33D1B9D3A854}" type="slidenum">
               <a:rPr lang="zh-CN" altLang="en-US" smtClean="0"/>
+              <a:t>‹#›</a:t>
             </a:fld>
             <a:endParaRPr lang="zh-CN" altLang="en-US"/>
           </a:p>
@@ -1265,7 +1271,6 @@
               <a:rPr lang="zh-CN" altLang="en-US" smtClean="0"/>
               <a:t>单击此处编辑母版文本样式</a:t>
             </a:r>
-            <a:endParaRPr lang="zh-CN" altLang="en-US" smtClean="0"/>
           </a:p>
         </p:txBody>
       </p:sp>
@@ -1286,6 +1291,7 @@
           <a:p>
             <a:fld id="{5CAADBD5-FF6F-4F1F-AF78-B518D2CD176F}" type="datetimeFigureOut">
               <a:rPr lang="zh-CN" altLang="en-US" smtClean="0"/>
+              <a:t>2018/6/4 Monday</a:t>
             </a:fld>
             <a:endParaRPr lang="zh-CN" altLang="en-US"/>
           </a:p>
@@ -1327,6 +1333,7 @@
           <a:p>
             <a:fld id="{E21C2A10-E97F-46DF-9873-696D05EB38D6}" type="slidenum">
               <a:rPr lang="zh-CN" altLang="en-US" smtClean="0"/>
+              <a:t>‹#›</a:t>
             </a:fld>
             <a:endParaRPr lang="zh-CN" altLang="en-US"/>
           </a:p>
@@ -1376,7 +1383,6 @@
               <a:rPr lang="zh-CN" altLang="en-US"/>
               <a:t>单击此处编辑母版标题样式</a:t>
             </a:r>
-            <a:endParaRPr lang="zh-CN" altLang="en-US"/>
           </a:p>
         </p:txBody>
       </p:sp>
@@ -1405,7 +1411,6 @@
               <a:rPr lang="zh-CN" altLang="en-US" dirty="0"/>
               <a:t>单击此处编辑母版文本样式</a:t>
             </a:r>
-            <a:endParaRPr lang="zh-CN" altLang="en-US" dirty="0"/>
           </a:p>
           <a:p>
             <a:pPr lvl="1"/>
@@ -1413,7 +1418,6 @@
               <a:rPr lang="zh-CN" altLang="en-US" dirty="0"/>
               <a:t>第二级</a:t>
             </a:r>
-            <a:endParaRPr lang="zh-CN" altLang="en-US" dirty="0"/>
           </a:p>
           <a:p>
             <a:pPr lvl="2"/>
@@ -1421,7 +1425,6 @@
               <a:rPr lang="zh-CN" altLang="en-US" dirty="0"/>
               <a:t>第三级</a:t>
             </a:r>
-            <a:endParaRPr lang="zh-CN" altLang="en-US" dirty="0"/>
           </a:p>
           <a:p>
             <a:pPr lvl="3"/>
@@ -1429,7 +1432,6 @@
               <a:rPr lang="zh-CN" altLang="en-US" dirty="0"/>
               <a:t>第四级</a:t>
             </a:r>
-            <a:endParaRPr lang="zh-CN" altLang="en-US" dirty="0"/>
           </a:p>
           <a:p>
             <a:pPr lvl="4"/>
@@ -1437,7 +1439,6 @@
               <a:rPr lang="zh-CN" altLang="en-US" dirty="0"/>
               <a:t>第五级</a:t>
             </a:r>
-            <a:endParaRPr lang="zh-CN" altLang="en-US" dirty="0"/>
           </a:p>
         </p:txBody>
       </p:sp>
@@ -1466,7 +1467,6 @@
               <a:rPr lang="zh-CN" altLang="en-US" dirty="0"/>
               <a:t>单击此处编辑母版文本样式</a:t>
             </a:r>
-            <a:endParaRPr lang="zh-CN" altLang="en-US" dirty="0"/>
           </a:p>
           <a:p>
             <a:pPr lvl="1"/>
@@ -1474,7 +1474,6 @@
               <a:rPr lang="zh-CN" altLang="en-US" dirty="0"/>
               <a:t>第二级</a:t>
             </a:r>
-            <a:endParaRPr lang="zh-CN" altLang="en-US" dirty="0"/>
           </a:p>
           <a:p>
             <a:pPr lvl="2"/>
@@ -1482,7 +1481,6 @@
               <a:rPr lang="zh-CN" altLang="en-US" dirty="0"/>
               <a:t>第三级</a:t>
             </a:r>
-            <a:endParaRPr lang="zh-CN" altLang="en-US" dirty="0"/>
           </a:p>
           <a:p>
             <a:pPr lvl="3"/>
@@ -1490,7 +1488,6 @@
               <a:rPr lang="zh-CN" altLang="en-US" dirty="0"/>
               <a:t>第四级</a:t>
             </a:r>
-            <a:endParaRPr lang="zh-CN" altLang="en-US" dirty="0"/>
           </a:p>
           <a:p>
             <a:pPr lvl="4"/>
@@ -1498,7 +1495,6 @@
               <a:rPr lang="zh-CN" altLang="en-US" dirty="0"/>
               <a:t>第五级</a:t>
             </a:r>
-            <a:endParaRPr lang="zh-CN" altLang="en-US" dirty="0"/>
           </a:p>
         </p:txBody>
       </p:sp>
@@ -1519,6 +1515,7 @@
           <a:p>
             <a:fld id="{760FBDFE-C587-4B4C-A407-44438C67B59E}" type="datetimeFigureOut">
               <a:rPr lang="zh-CN" altLang="en-US" smtClean="0"/>
+              <a:t>2018/6/4 Monday</a:t>
             </a:fld>
             <a:endParaRPr lang="zh-CN" altLang="en-US"/>
           </a:p>
@@ -1560,6 +1557,7 @@
           <a:p>
             <a:fld id="{49AE70B2-8BF9-45C0-BB95-33D1B9D3A854}" type="slidenum">
               <a:rPr lang="zh-CN" altLang="en-US" smtClean="0"/>
+              <a:t>‹#›</a:t>
             </a:fld>
             <a:endParaRPr lang="zh-CN" altLang="en-US"/>
           </a:p>
@@ -1614,7 +1612,6 @@
               <a:rPr lang="zh-CN" altLang="en-US"/>
               <a:t>单击此处编辑母版标题样式</a:t>
             </a:r>
-            <a:endParaRPr lang="zh-CN" altLang="en-US"/>
           </a:p>
         </p:txBody>
       </p:sp>
@@ -1680,7 +1677,6 @@
               <a:rPr lang="zh-CN" altLang="en-US" dirty="0"/>
               <a:t>单击此处编辑母版文本样式</a:t>
             </a:r>
-            <a:endParaRPr lang="zh-CN" altLang="en-US" dirty="0"/>
           </a:p>
         </p:txBody>
       </p:sp>
@@ -1709,7 +1705,6 @@
               <a:rPr lang="zh-CN" altLang="en-US" dirty="0"/>
               <a:t>单击此处编辑母版文本样式</a:t>
             </a:r>
-            <a:endParaRPr lang="zh-CN" altLang="en-US" dirty="0"/>
           </a:p>
           <a:p>
             <a:pPr lvl="1"/>
@@ -1717,7 +1712,6 @@
               <a:rPr lang="zh-CN" altLang="en-US" dirty="0"/>
               <a:t>第二级</a:t>
             </a:r>
-            <a:endParaRPr lang="zh-CN" altLang="en-US" dirty="0"/>
           </a:p>
           <a:p>
             <a:pPr lvl="2"/>
@@ -1725,7 +1719,6 @@
               <a:rPr lang="zh-CN" altLang="en-US" dirty="0"/>
               <a:t>第三级</a:t>
             </a:r>
-            <a:endParaRPr lang="zh-CN" altLang="en-US" dirty="0"/>
           </a:p>
           <a:p>
             <a:pPr lvl="3"/>
@@ -1733,7 +1726,6 @@
               <a:rPr lang="zh-CN" altLang="en-US" dirty="0"/>
               <a:t>第四级</a:t>
             </a:r>
-            <a:endParaRPr lang="zh-CN" altLang="en-US" dirty="0"/>
           </a:p>
           <a:p>
             <a:pPr lvl="4"/>
@@ -1741,7 +1733,6 @@
               <a:rPr lang="zh-CN" altLang="en-US" dirty="0"/>
               <a:t>第五级</a:t>
             </a:r>
-            <a:endParaRPr lang="zh-CN" altLang="en-US" dirty="0"/>
           </a:p>
         </p:txBody>
       </p:sp>
@@ -1807,7 +1798,6 @@
               <a:rPr lang="zh-CN" altLang="en-US" dirty="0"/>
               <a:t>单击此处编辑母版文本样式</a:t>
             </a:r>
-            <a:endParaRPr lang="zh-CN" altLang="en-US" dirty="0"/>
           </a:p>
         </p:txBody>
       </p:sp>
@@ -1836,7 +1826,6 @@
               <a:rPr lang="zh-CN" altLang="en-US" dirty="0"/>
               <a:t>单击此处编辑母版文本样式</a:t>
             </a:r>
-            <a:endParaRPr lang="zh-CN" altLang="en-US" dirty="0"/>
           </a:p>
           <a:p>
             <a:pPr lvl="1"/>
@@ -1844,7 +1833,6 @@
               <a:rPr lang="zh-CN" altLang="en-US" dirty="0"/>
               <a:t>第二级</a:t>
             </a:r>
-            <a:endParaRPr lang="zh-CN" altLang="en-US" dirty="0"/>
           </a:p>
           <a:p>
             <a:pPr lvl="2"/>
@@ -1852,7 +1840,6 @@
               <a:rPr lang="zh-CN" altLang="en-US" dirty="0"/>
               <a:t>第三级</a:t>
             </a:r>
-            <a:endParaRPr lang="zh-CN" altLang="en-US" dirty="0"/>
           </a:p>
           <a:p>
             <a:pPr lvl="3"/>
@@ -1860,7 +1847,6 @@
               <a:rPr lang="zh-CN" altLang="en-US" dirty="0"/>
               <a:t>第四级</a:t>
             </a:r>
-            <a:endParaRPr lang="zh-CN" altLang="en-US" dirty="0"/>
           </a:p>
           <a:p>
             <a:pPr lvl="4"/>
@@ -1868,7 +1854,6 @@
               <a:rPr lang="zh-CN" altLang="en-US" dirty="0"/>
               <a:t>第五级</a:t>
             </a:r>
-            <a:endParaRPr lang="zh-CN" altLang="en-US" dirty="0"/>
           </a:p>
         </p:txBody>
       </p:sp>
@@ -1889,6 +1874,7 @@
           <a:p>
             <a:fld id="{760FBDFE-C587-4B4C-A407-44438C67B59E}" type="datetimeFigureOut">
               <a:rPr lang="zh-CN" altLang="en-US" smtClean="0"/>
+              <a:t>2018/6/4 Monday</a:t>
             </a:fld>
             <a:endParaRPr lang="zh-CN" altLang="en-US"/>
           </a:p>
@@ -1930,6 +1916,7 @@
           <a:p>
             <a:fld id="{49AE70B2-8BF9-45C0-BB95-33D1B9D3A854}" type="slidenum">
               <a:rPr lang="zh-CN" altLang="en-US" smtClean="0"/>
+              <a:t>‹#›</a:t>
             </a:fld>
             <a:endParaRPr lang="zh-CN" altLang="en-US"/>
           </a:p>
@@ -2000,6 +1987,7 @@
           <a:p>
             <a:fld id="{5CAADBD5-FF6F-4F1F-AF78-B518D2CD176F}" type="datetimeFigureOut">
               <a:rPr lang="zh-CN" altLang="en-US" smtClean="0"/>
+              <a:t>2018/6/4 Monday</a:t>
             </a:fld>
             <a:endParaRPr lang="zh-CN" altLang="en-US"/>
           </a:p>
@@ -2041,6 +2029,7 @@
           <a:p>
             <a:fld id="{E21C2A10-E97F-46DF-9873-696D05EB38D6}" type="slidenum">
               <a:rPr lang="zh-CN" altLang="en-US" smtClean="0"/>
+              <a:t>‹#›</a:t>
             </a:fld>
             <a:endParaRPr lang="zh-CN" altLang="en-US"/>
           </a:p>
@@ -2088,6 +2077,7 @@
           <a:p>
             <a:fld id="{760FBDFE-C587-4B4C-A407-44438C67B59E}" type="datetimeFigureOut">
               <a:rPr lang="zh-CN" altLang="en-US" smtClean="0"/>
+              <a:t>2018/6/4 Monday</a:t>
             </a:fld>
             <a:endParaRPr lang="zh-CN" altLang="en-US"/>
           </a:p>
@@ -2129,6 +2119,7 @@
           <a:p>
             <a:fld id="{49AE70B2-8BF9-45C0-BB95-33D1B9D3A854}" type="slidenum">
               <a:rPr lang="zh-CN" altLang="en-US" smtClean="0"/>
+              <a:t>‹#›</a:t>
             </a:fld>
             <a:endParaRPr lang="zh-CN" altLang="en-US"/>
           </a:p>
@@ -2189,7 +2180,6 @@
               <a:rPr lang="zh-CN" altLang="en-US" dirty="0"/>
               <a:t>单击此处编辑标题</a:t>
             </a:r>
-            <a:endParaRPr lang="zh-CN" altLang="en-US" dirty="0"/>
           </a:p>
         </p:txBody>
       </p:sp>
@@ -2318,7 +2308,6 @@
               <a:rPr lang="zh-CN" altLang="en-US" dirty="0"/>
               <a:t>单击此处编辑母版文本样式</a:t>
             </a:r>
-            <a:endParaRPr lang="zh-CN" altLang="en-US" dirty="0"/>
           </a:p>
         </p:txBody>
       </p:sp>
@@ -2339,6 +2328,7 @@
           <a:p>
             <a:fld id="{9EFD9D74-47D9-4702-A33C-335B63B48DBF}" type="datetimeFigureOut">
               <a:rPr lang="zh-CN" altLang="en-US" smtClean="0"/>
+              <a:t>2018/6/4 Monday</a:t>
             </a:fld>
             <a:endParaRPr lang="zh-CN" altLang="en-US" dirty="0"/>
           </a:p>
@@ -2380,6 +2370,7 @@
           <a:p>
             <a:fld id="{FABC47A4-756D-490B-A52F-7D9E2C9FC05F}" type="slidenum">
               <a:rPr lang="zh-CN" altLang="en-US" smtClean="0"/>
+              <a:t>‹#›</a:t>
             </a:fld>
             <a:endParaRPr lang="zh-CN" altLang="en-US"/>
           </a:p>
@@ -2440,7 +2431,6 @@
               <a:rPr lang="zh-CN" altLang="en-US" dirty="0"/>
               <a:t>单击此处编辑标题</a:t>
             </a:r>
-            <a:endParaRPr lang="zh-CN" altLang="en-US" dirty="0"/>
           </a:p>
         </p:txBody>
       </p:sp>
@@ -2469,7 +2459,6 @@
               <a:rPr lang="zh-CN" altLang="en-US" dirty="0"/>
               <a:t>单击此处编辑母版文本样式</a:t>
             </a:r>
-            <a:endParaRPr lang="zh-CN" altLang="en-US" dirty="0"/>
           </a:p>
           <a:p>
             <a:pPr lvl="1"/>
@@ -2477,7 +2466,6 @@
               <a:rPr lang="zh-CN" altLang="en-US" dirty="0"/>
               <a:t>第二级</a:t>
             </a:r>
-            <a:endParaRPr lang="zh-CN" altLang="en-US" dirty="0"/>
           </a:p>
           <a:p>
             <a:pPr lvl="2"/>
@@ -2485,7 +2473,6 @@
               <a:rPr lang="zh-CN" altLang="en-US" dirty="0"/>
               <a:t>第三级</a:t>
             </a:r>
-            <a:endParaRPr lang="zh-CN" altLang="en-US" dirty="0"/>
           </a:p>
           <a:p>
             <a:pPr lvl="3"/>
@@ -2493,7 +2480,6 @@
               <a:rPr lang="zh-CN" altLang="en-US" dirty="0"/>
               <a:t>第四级</a:t>
             </a:r>
-            <a:endParaRPr lang="zh-CN" altLang="en-US" dirty="0"/>
           </a:p>
           <a:p>
             <a:pPr lvl="4"/>
@@ -2501,7 +2487,6 @@
               <a:rPr lang="zh-CN" altLang="en-US" dirty="0"/>
               <a:t>第五级</a:t>
             </a:r>
-            <a:endParaRPr lang="zh-CN" altLang="en-US" dirty="0"/>
           </a:p>
         </p:txBody>
       </p:sp>
@@ -2522,6 +2507,7 @@
           <a:p>
             <a:fld id="{760FBDFE-C587-4B4C-A407-44438C67B59E}" type="datetimeFigureOut">
               <a:rPr lang="zh-CN" altLang="en-US" smtClean="0"/>
+              <a:t>2018/6/4 Monday</a:t>
             </a:fld>
             <a:endParaRPr lang="zh-CN" altLang="en-US"/>
           </a:p>
@@ -2563,6 +2549,7 @@
           <a:p>
             <a:fld id="{49AE70B2-8BF9-45C0-BB95-33D1B9D3A854}" type="slidenum">
               <a:rPr lang="zh-CN" altLang="en-US" smtClean="0"/>
+              <a:t>‹#›</a:t>
             </a:fld>
             <a:endParaRPr lang="zh-CN" altLang="en-US"/>
           </a:p>
@@ -2607,7 +2594,7 @@
           <p:nvPr>
             <p:ph type="title"/>
             <p:custDataLst>
-              <p:tags r:id="rId11"/>
+              <p:tags r:id="rId12"/>
             </p:custDataLst>
           </p:nvPr>
         </p:nvSpPr>
@@ -2630,7 +2617,6 @@
               <a:rPr lang="zh-CN" altLang="en-US" dirty="0"/>
               <a:t>单击此处编辑母版标题样式</a:t>
             </a:r>
-            <a:endParaRPr lang="zh-CN" altLang="en-US" dirty="0"/>
           </a:p>
         </p:txBody>
       </p:sp>
@@ -2643,7 +2629,7 @@
           <p:nvPr>
             <p:ph type="body" idx="1"/>
             <p:custDataLst>
-              <p:tags r:id="rId12"/>
+              <p:tags r:id="rId13"/>
             </p:custDataLst>
           </p:nvPr>
         </p:nvSpPr>
@@ -2667,7 +2653,6 @@
               <a:rPr lang="zh-CN" altLang="en-US" dirty="0"/>
               <a:t>单击此处编辑母版文本样式</a:t>
             </a:r>
-            <a:endParaRPr lang="zh-CN" altLang="en-US" dirty="0"/>
           </a:p>
           <a:p>
             <a:pPr lvl="1"/>
@@ -2675,7 +2660,6 @@
               <a:rPr lang="zh-CN" altLang="en-US" dirty="0"/>
               <a:t>第二级</a:t>
             </a:r>
-            <a:endParaRPr lang="zh-CN" altLang="en-US" dirty="0"/>
           </a:p>
           <a:p>
             <a:pPr lvl="2"/>
@@ -2683,7 +2667,6 @@
               <a:rPr lang="zh-CN" altLang="en-US" dirty="0"/>
               <a:t>第三级</a:t>
             </a:r>
-            <a:endParaRPr lang="zh-CN" altLang="en-US" dirty="0"/>
           </a:p>
           <a:p>
             <a:pPr lvl="3"/>
@@ -2691,7 +2674,6 @@
               <a:rPr lang="zh-CN" altLang="en-US" dirty="0"/>
               <a:t>第四级</a:t>
             </a:r>
-            <a:endParaRPr lang="zh-CN" altLang="en-US" dirty="0"/>
           </a:p>
           <a:p>
             <a:pPr lvl="4"/>
@@ -2699,7 +2681,6 @@
               <a:rPr lang="zh-CN" altLang="en-US" dirty="0"/>
               <a:t>第五级</a:t>
             </a:r>
-            <a:endParaRPr lang="zh-CN" altLang="en-US" dirty="0"/>
           </a:p>
         </p:txBody>
       </p:sp>
@@ -2742,6 +2723,7 @@
           <a:p>
             <a:fld id="{D997B5FA-0921-464F-AAE1-844C04324D75}" type="datetimeFigureOut">
               <a:rPr lang="zh-CN" altLang="en-US" smtClean="0"/>
+              <a:t>2018/6/4 Monday</a:t>
             </a:fld>
             <a:endParaRPr lang="zh-CN" altLang="en-US" dirty="0"/>
           </a:p>
@@ -2827,6 +2809,7 @@
           <a:p>
             <a:fld id="{565CE74E-AB26-4998-AD42-012C4C1AD076}" type="slidenum">
               <a:rPr lang="zh-CN" altLang="en-US" smtClean="0"/>
+              <a:t>‹#›</a:t>
             </a:fld>
             <a:endParaRPr lang="zh-CN" altLang="en-US"/>
           </a:p>
@@ -2838,7 +2821,7 @@
           <p:cNvSpPr/>
           <p:nvPr userDrawn="1">
             <p:custDataLst>
-              <p:tags r:id="rId13"/>
+              <p:tags r:id="rId14"/>
             </p:custDataLst>
           </p:nvPr>
         </p:nvSpPr>
@@ -3200,7 +3183,7 @@
           <p:nvPr>
             <p:ph type="ctrTitle"/>
             <p:custDataLst>
-              <p:tags r:id="rId1"/>
+              <p:tags r:id="rId2"/>
             </p:custDataLst>
           </p:nvPr>
         </p:nvSpPr>
@@ -3213,7 +3196,6 @@
               <a:rPr lang="zh-CN" altLang="en-US" dirty="0"/>
               <a:t>工厂模式</a:t>
             </a:r>
-            <a:endParaRPr lang="zh-CN" altLang="en-US" dirty="0"/>
           </a:p>
         </p:txBody>
       </p:sp>
@@ -3226,7 +3208,7 @@
           <p:nvPr>
             <p:ph type="subTitle" idx="1"/>
             <p:custDataLst>
-              <p:tags r:id="rId2"/>
+              <p:tags r:id="rId3"/>
             </p:custDataLst>
           </p:nvPr>
         </p:nvSpPr>
@@ -3245,7 +3227,7 @@
       </p:sp>
     </p:spTree>
     <p:custDataLst>
-      <p:tags r:id="rId3"/>
+      <p:tags r:id="rId1"/>
     </p:custDataLst>
   </p:cSld>
   <p:clrMapOvr>
@@ -3263,7 +3245,14 @@
         <p:cNvGrpSpPr/>
         <p:nvPr/>
       </p:nvGrpSpPr>
-      <p:grpSpPr/>
+      <p:grpSpPr>
+        <a:xfrm>
+          <a:off x="0" y="0"/>
+          <a:ext cx="0" cy="0"/>
+          <a:chOff x="0" y="0"/>
+          <a:chExt cx="0" cy="0"/>
+        </a:xfrm>
+      </p:grpSpPr>
       <p:sp>
         <p:nvSpPr>
           <p:cNvPr id="2" name="标题 1"/>
@@ -3277,12 +3266,12 @@
         <p:spPr/>
         <p:txBody>
           <a:bodyPr/>
+          <a:lstStyle/>
           <a:p>
             <a:r>
               <a:rPr lang="zh-CN" altLang="en-US"/>
               <a:t>简单工厂方法</a:t>
             </a:r>
-            <a:endParaRPr lang="zh-CN" altLang="en-US"/>
           </a:p>
         </p:txBody>
       </p:sp>
@@ -3299,12 +3288,12 @@
         <p:spPr/>
         <p:txBody>
           <a:bodyPr/>
+          <a:lstStyle/>
           <a:p>
             <a:r>
               <a:rPr lang="zh-CN" altLang="en-US"/>
               <a:t>一个静态方法，通过参数创建不同类型的对象。</a:t>
             </a:r>
-            <a:endParaRPr lang="zh-CN" altLang="en-US"/>
           </a:p>
           <a:p>
             <a:endParaRPr lang="zh-CN" altLang="en-US"/>
@@ -3315,7 +3304,13 @@
         <p:nvGraphicFramePr>
           <p:cNvPr id="6" name="对象 5"/>
           <p:cNvGraphicFramePr/>
-          <p:nvPr/>
+          <p:nvPr>
+            <p:extLst>
+              <p:ext uri="{D42A27DB-BD31-4B8C-83A1-F6EECF244321}">
+                <p14:modId xmlns:p14="http://schemas.microsoft.com/office/powerpoint/2010/main" val="3305969217"/>
+              </p:ext>
+            </p:extLst>
+          </p:nvPr>
         </p:nvGraphicFramePr>
         <p:xfrm>
           <a:off x="1579880" y="2559050"/>
@@ -3325,12 +3320,12 @@
           <a:graphicData uri="http://schemas.openxmlformats.org/presentationml/2006/ole">
             <mc:AlternateContent xmlns:mc="http://schemas.openxmlformats.org/markup-compatibility/2006">
               <mc:Choice xmlns:v="urn:schemas-microsoft-com:vml" Requires="v">
-                <p:oleObj spid="_x0000_s7" name="" r:id="rId1" imgW="4981575" imgH="2026285" progId="Visio.Drawing.15">
+                <p:oleObj spid="_x0000_s1026" name="Visio" r:id="rId4" imgW="6477135" imgH="2628900" progId="Visio.Drawing.15">
                   <p:embed/>
                 </p:oleObj>
               </mc:Choice>
               <mc:Fallback>
-                <p:oleObj name="" r:id="rId1" imgW="4981575" imgH="2026285" progId="Visio.Drawing.15">
+                <p:oleObj name="Visio" r:id="rId4" imgW="6477135" imgH="2628900" progId="Visio.Drawing.15">
                   <p:embed/>
                   <p:pic>
                     <p:nvPicPr>
@@ -3339,7 +3334,7 @@
                       <p:nvPr/>
                     </p:nvPicPr>
                     <p:blipFill>
-                      <a:blip r:embed="rId2"/>
+                      <a:blip r:embed="rId5"/>
                       <a:stretch>
                         <a:fillRect/>
                       </a:stretch>
@@ -3362,7 +3357,7 @@
       </p:graphicFrame>
     </p:spTree>
     <p:custDataLst>
-      <p:tags r:id="rId3"/>
+      <p:tags r:id="rId2"/>
     </p:custDataLst>
   </p:cSld>
   <p:clrMapOvr>
@@ -3380,7 +3375,14 @@
         <p:cNvGrpSpPr/>
         <p:nvPr/>
       </p:nvGrpSpPr>
-      <p:grpSpPr/>
+      <p:grpSpPr>
+        <a:xfrm>
+          <a:off x="0" y="0"/>
+          <a:ext cx="0" cy="0"/>
+          <a:chOff x="0" y="0"/>
+          <a:chExt cx="0" cy="0"/>
+        </a:xfrm>
+      </p:grpSpPr>
       <p:sp>
         <p:nvSpPr>
           <p:cNvPr id="2" name="标题 1"/>
@@ -3394,12 +3396,12 @@
         <p:spPr/>
         <p:txBody>
           <a:bodyPr/>
+          <a:lstStyle/>
           <a:p>
             <a:r>
               <a:rPr lang="zh-CN" altLang="en-US"/>
               <a:t>工厂模式</a:t>
             </a:r>
-            <a:endParaRPr lang="zh-CN" altLang="en-US"/>
           </a:p>
         </p:txBody>
       </p:sp>
@@ -3416,12 +3418,12 @@
         <p:spPr/>
         <p:txBody>
           <a:bodyPr/>
+          <a:lstStyle/>
           <a:p>
             <a:r>
               <a:rPr lang="zh-CN" altLang="en-US"/>
               <a:t>一个工厂创建一种类型的产品</a:t>
             </a:r>
-            <a:endParaRPr lang="zh-CN" altLang="en-US"/>
           </a:p>
         </p:txBody>
       </p:sp>
@@ -3434,7 +3436,7 @@
           <p:nvPr/>
         </p:nvPicPr>
         <p:blipFill>
-          <a:blip r:embed="rId1"/>
+          <a:blip r:embed="rId3"/>
           <a:stretch>
             <a:fillRect/>
           </a:stretch>
@@ -3451,7 +3453,7 @@
       </p:pic>
     </p:spTree>
     <p:custDataLst>
-      <p:tags r:id="rId2"/>
+      <p:tags r:id="rId1"/>
     </p:custDataLst>
   </p:cSld>
   <p:clrMapOvr>
@@ -3469,7 +3471,14 @@
         <p:cNvGrpSpPr/>
         <p:nvPr/>
       </p:nvGrpSpPr>
-      <p:grpSpPr/>
+      <p:grpSpPr>
+        <a:xfrm>
+          <a:off x="0" y="0"/>
+          <a:ext cx="0" cy="0"/>
+          <a:chOff x="0" y="0"/>
+          <a:chExt cx="0" cy="0"/>
+        </a:xfrm>
+      </p:grpSpPr>
       <p:sp>
         <p:nvSpPr>
           <p:cNvPr id="2" name="标题 1"/>
@@ -3483,12 +3492,12 @@
         <p:spPr/>
         <p:txBody>
           <a:bodyPr/>
+          <a:lstStyle/>
           <a:p>
             <a:r>
               <a:rPr lang="zh-CN" altLang="en-US"/>
               <a:t>抽象工厂模式</a:t>
             </a:r>
-            <a:endParaRPr lang="zh-CN" altLang="en-US"/>
           </a:p>
         </p:txBody>
       </p:sp>
@@ -3505,12 +3514,12 @@
         <p:spPr/>
         <p:txBody>
           <a:bodyPr/>
+          <a:lstStyle/>
           <a:p>
             <a:r>
               <a:rPr lang="zh-CN" altLang="en-US"/>
               <a:t>一个工厂创建一系列的产品</a:t>
             </a:r>
-            <a:endParaRPr lang="zh-CN" altLang="en-US"/>
           </a:p>
         </p:txBody>
       </p:sp>
@@ -3530,12 +3539,12 @@
           <a:graphicData uri="http://schemas.openxmlformats.org/presentationml/2006/ole">
             <mc:AlternateContent xmlns:mc="http://schemas.openxmlformats.org/markup-compatibility/2006">
               <mc:Choice xmlns:v="urn:schemas-microsoft-com:vml" Requires="v">
-                <p:oleObj spid="_x0000_s3084" name="" r:id="rId1" imgW="6650990" imgH="4877435" progId="Visio.Drawing.5">
+                <p:oleObj spid="_x0000_s3087" name="Visio" r:id="rId4" imgW="6650990" imgH="4877435" progId="Visio.Drawing.11">
                   <p:embed/>
                 </p:oleObj>
               </mc:Choice>
               <mc:Fallback>
-                <p:oleObj name="" r:id="rId1" imgW="6650990" imgH="4877435" progId="Visio.Drawing.5">
+                <p:oleObj name="Visio" r:id="rId4" imgW="6650990" imgH="4877435" progId="Visio.Drawing.11">
                   <p:embed/>
                   <p:pic>
                     <p:nvPicPr>
@@ -3544,7 +3553,7 @@
                       <p:nvPr/>
                     </p:nvPicPr>
                     <p:blipFill>
-                      <a:blip r:embed="rId2"/>
+                      <a:blip r:embed="rId5"/>
                       <a:stretch>
                         <a:fillRect/>
                       </a:stretch>
@@ -3572,7 +3581,7 @@
       </p:graphicFrame>
     </p:spTree>
     <p:custDataLst>
-      <p:tags r:id="rId3"/>
+      <p:tags r:id="rId2"/>
     </p:custDataLst>
   </p:cSld>
   <p:clrMapOvr>
@@ -3590,7 +3599,14 @@
         <p:cNvGrpSpPr/>
         <p:nvPr/>
       </p:nvGrpSpPr>
-      <p:grpSpPr/>
+      <p:grpSpPr>
+        <a:xfrm>
+          <a:off x="0" y="0"/>
+          <a:ext cx="0" cy="0"/>
+          <a:chOff x="0" y="0"/>
+          <a:chExt cx="0" cy="0"/>
+        </a:xfrm>
+      </p:grpSpPr>
       <p:sp>
         <p:nvSpPr>
           <p:cNvPr id="2" name="标题 1"/>
@@ -3604,12 +3620,12 @@
         <p:spPr/>
         <p:txBody>
           <a:bodyPr/>
+          <a:lstStyle/>
           <a:p>
             <a:r>
               <a:rPr lang="zh-CN" altLang="en-US"/>
               <a:t>实验说明</a:t>
             </a:r>
-            <a:endParaRPr lang="zh-CN" altLang="en-US"/>
           </a:p>
         </p:txBody>
       </p:sp>
@@ -3626,12 +3642,12 @@
         <p:spPr/>
         <p:txBody>
           <a:bodyPr/>
+          <a:lstStyle/>
           <a:p>
             <a:r>
               <a:rPr lang="zh-CN" altLang="en-US"/>
               <a:t>本课程所有的实验都在一个项目的不同目录下</a:t>
             </a:r>
-            <a:endParaRPr lang="zh-CN" altLang="en-US"/>
           </a:p>
           <a:p>
             <a:pPr lvl="1"/>
@@ -3655,11 +3671,6 @@
               </a:rPr>
               <a:t>张山</a:t>
             </a:r>
-            <a:endParaRPr lang="zh-CN" altLang="en-US">
-              <a:solidFill>
-                <a:srgbClr val="FF0000"/>
-              </a:solidFill>
-            </a:endParaRPr>
           </a:p>
           <a:p>
             <a:pPr lvl="1"/>
@@ -3675,7 +3686,6 @@
               <a:rPr lang="zh-CN" altLang="en-US"/>
               <a:t>的不同子包，名字不要随意取，不清楚的话可以参考老师的。</a:t>
             </a:r>
-            <a:endParaRPr lang="zh-CN" altLang="en-US"/>
           </a:p>
           <a:p>
             <a:pPr lvl="1"/>
@@ -3691,11 +3701,6 @@
               </a:rPr>
               <a:t>201530690101张三-实验四-工厂模式.doc</a:t>
             </a:r>
-            <a:endParaRPr lang="zh-CN" altLang="en-US">
-              <a:solidFill>
-                <a:srgbClr val="FF0000"/>
-              </a:solidFill>
-            </a:endParaRPr>
           </a:p>
           <a:p>
             <a:pPr lvl="1"/>
@@ -3796,7 +3801,6 @@
               <a:rPr lang="zh-CN" altLang="en-US"/>
               <a:t>本次作业的实验代码和文档下周一中午前交。</a:t>
             </a:r>
-            <a:endParaRPr lang="zh-CN" altLang="en-US"/>
           </a:p>
         </p:txBody>
       </p:sp>
@@ -3812,7 +3816,7 @@
 </file>
 
 <file path=ppt/tags/tag1.xml><?xml version="1.0" encoding="utf-8"?>
-<p:tagLst xmlns:p="http://schemas.openxmlformats.org/presentationml/2006/main">
+<p:tagLst xmlns:a="http://schemas.openxmlformats.org/drawingml/2006/main" xmlns:r="http://schemas.openxmlformats.org/officeDocument/2006/relationships" xmlns:p="http://schemas.openxmlformats.org/presentationml/2006/main">
   <p:tag name="KSO_WM_TAG_VERSION" val="1.0"/>
   <p:tag name="KSO_WM_TEMPLATE_CATEGORY" val="custom"/>
   <p:tag name="KSO_WM_TEMPLATE_INDEX" val="20184553"/>
@@ -3820,7 +3824,7 @@
 </file>
 
 <file path=ppt/tags/tag10.xml><?xml version="1.0" encoding="utf-8"?>
-<p:tagLst xmlns:p="http://schemas.openxmlformats.org/presentationml/2006/main">
+<p:tagLst xmlns:a="http://schemas.openxmlformats.org/drawingml/2006/main" xmlns:r="http://schemas.openxmlformats.org/officeDocument/2006/relationships" xmlns:p="http://schemas.openxmlformats.org/presentationml/2006/main">
   <p:tag name="KSO_WM_BEAUTIFY_FLAG" val="#wm#"/>
   <p:tag name="KSO_WM_TEMPLATE_CATEGORY" val="custom"/>
   <p:tag name="KSO_WM_TEMPLATE_INDEX" val="20184553"/>
@@ -3828,7 +3832,7 @@
 </file>
 
 <file path=ppt/tags/tag2.xml><?xml version="1.0" encoding="utf-8"?>
-<p:tagLst xmlns:p="http://schemas.openxmlformats.org/presentationml/2006/main">
+<p:tagLst xmlns:a="http://schemas.openxmlformats.org/drawingml/2006/main" xmlns:r="http://schemas.openxmlformats.org/officeDocument/2006/relationships" xmlns:p="http://schemas.openxmlformats.org/presentationml/2006/main">
   <p:tag name="KSO_WM_TAG_VERSION" val="1.0"/>
   <p:tag name="KSO_WM_TEMPLATE_CATEGORY" val="custom"/>
   <p:tag name="KSO_WM_TEMPLATE_INDEX" val="20184553"/>
@@ -3836,7 +3840,7 @@
 </file>
 
 <file path=ppt/tags/tag3.xml><?xml version="1.0" encoding="utf-8"?>
-<p:tagLst xmlns:p="http://schemas.openxmlformats.org/presentationml/2006/main">
+<p:tagLst xmlns:a="http://schemas.openxmlformats.org/drawingml/2006/main" xmlns:r="http://schemas.openxmlformats.org/officeDocument/2006/relationships" xmlns:p="http://schemas.openxmlformats.org/presentationml/2006/main">
   <p:tag name="KSO_WM_TEMPLATE_TOPIC_DEFAULT" val="1"/>
   <p:tag name="KSO_WM_TEMPLATE_JOB_ID" val="2"/>
   <p:tag name="KSO_WM_TEMPLATE_SCENE_ID" val="1"/>
@@ -3851,45 +3855,7 @@
 </file>
 
 <file path=ppt/tags/tag4.xml><?xml version="1.0" encoding="utf-8"?>
-<p:tagLst xmlns:p="http://schemas.openxmlformats.org/presentationml/2006/main">
-  <p:tag name="KSO_WM_TEMPLATE_CATEGORY" val="custom"/>
-  <p:tag name="KSO_WM_TEMPLATE_INDEX" val="20184553"/>
-  <p:tag name="KSO_WM_UNIT_CLEAR" val="0"/>
-  <p:tag name="KSO_WM_UNIT_COMPATIBLE" val="0"/>
-  <p:tag name="KSO_WM_UNIT_HIGHLIGHT" val="0"/>
-  <p:tag name="KSO_WM_UNIT_ISCONTENTSTITLE" val="0"/>
-  <p:tag name="KSO_WM_UNIT_VALUE" val="20"/>
-  <p:tag name="KSO_WM_UNIT_LAYERLEVEL" val="1"/>
-  <p:tag name="KSO_WM_UNIT_INDEX" val="1"/>
-  <p:tag name="KSO_WM_UNIT_ID" val="custom20184553_1*a*1"/>
-  <p:tag name="KSO_WM_UNIT_TYPE" val="a"/>
-  <p:tag name="KSO_WM_BEAUTIFY_FLAG" val="#wm#"/>
-  <p:tag name="KSO_WM_TAG_VERSION" val="1.0"/>
-  <p:tag name="KSO_WM_UNIT_PRESET_TEXT" val="白色通用"/>
-</p:tagLst>
-</file>
-
-<file path=ppt/tags/tag5.xml><?xml version="1.0" encoding="utf-8"?>
-<p:tagLst xmlns:p="http://schemas.openxmlformats.org/presentationml/2006/main">
-  <p:tag name="KSO_WM_TEMPLATE_CATEGORY" val="custom"/>
-  <p:tag name="KSO_WM_TEMPLATE_INDEX" val="20184553"/>
-  <p:tag name="KSO_WM_UNIT_CLEAR" val="0"/>
-  <p:tag name="KSO_WM_UNIT_COMPATIBLE" val="0"/>
-  <p:tag name="KSO_WM_UNIT_HIGHLIGHT" val="0"/>
-  <p:tag name="KSO_WM_UNIT_ISCONTENTSTITLE" val="0"/>
-  <p:tag name="KSO_WM_UNIT_VALUE" val="234"/>
-  <p:tag name="KSO_WM_UNIT_LAYERLEVEL" val="1"/>
-  <p:tag name="KSO_WM_UNIT_INDEX" val="1"/>
-  <p:tag name="KSO_WM_UNIT_ID" val="custom20184553_1*b*1"/>
-  <p:tag name="KSO_WM_UNIT_TYPE" val="b"/>
-  <p:tag name="KSO_WM_BEAUTIFY_FLAG" val="#wm#"/>
-  <p:tag name="KSO_WM_TAG_VERSION" val="1.0"/>
-  <p:tag name="KSO_WM_UNIT_PRESET_TEXT" val="Lorem ipsum dolor sit amet, consectetur adipisicing elit."/>
-</p:tagLst>
-</file>
-
-<file path=ppt/tags/tag6.xml><?xml version="1.0" encoding="utf-8"?>
-<p:tagLst xmlns:p="http://schemas.openxmlformats.org/presentationml/2006/main">
+<p:tagLst xmlns:a="http://schemas.openxmlformats.org/drawingml/2006/main" xmlns:r="http://schemas.openxmlformats.org/officeDocument/2006/relationships" xmlns:p="http://schemas.openxmlformats.org/presentationml/2006/main">
   <p:tag name="KSO_WM_SLIDE_SUBTYPE" val="pureTxt"/>
   <p:tag name="KSO_WM_TEMPLATE_TOPIC_DEFAULT" val="1"/>
   <p:tag name="KSO_WM_TEMPLATE_JOB_ID" val="2"/>
@@ -3912,8 +3878,46 @@
 </p:tagLst>
 </file>
 
+<file path=ppt/tags/tag5.xml><?xml version="1.0" encoding="utf-8"?>
+<p:tagLst xmlns:a="http://schemas.openxmlformats.org/drawingml/2006/main" xmlns:r="http://schemas.openxmlformats.org/officeDocument/2006/relationships" xmlns:p="http://schemas.openxmlformats.org/presentationml/2006/main">
+  <p:tag name="KSO_WM_TEMPLATE_CATEGORY" val="custom"/>
+  <p:tag name="KSO_WM_TEMPLATE_INDEX" val="20184553"/>
+  <p:tag name="KSO_WM_UNIT_CLEAR" val="0"/>
+  <p:tag name="KSO_WM_UNIT_COMPATIBLE" val="0"/>
+  <p:tag name="KSO_WM_UNIT_HIGHLIGHT" val="0"/>
+  <p:tag name="KSO_WM_UNIT_ISCONTENTSTITLE" val="0"/>
+  <p:tag name="KSO_WM_UNIT_VALUE" val="20"/>
+  <p:tag name="KSO_WM_UNIT_LAYERLEVEL" val="1"/>
+  <p:tag name="KSO_WM_UNIT_INDEX" val="1"/>
+  <p:tag name="KSO_WM_UNIT_ID" val="custom20184553_1*a*1"/>
+  <p:tag name="KSO_WM_UNIT_TYPE" val="a"/>
+  <p:tag name="KSO_WM_BEAUTIFY_FLAG" val="#wm#"/>
+  <p:tag name="KSO_WM_TAG_VERSION" val="1.0"/>
+  <p:tag name="KSO_WM_UNIT_PRESET_TEXT" val="白色通用"/>
+</p:tagLst>
+</file>
+
+<file path=ppt/tags/tag6.xml><?xml version="1.0" encoding="utf-8"?>
+<p:tagLst xmlns:a="http://schemas.openxmlformats.org/drawingml/2006/main" xmlns:r="http://schemas.openxmlformats.org/officeDocument/2006/relationships" xmlns:p="http://schemas.openxmlformats.org/presentationml/2006/main">
+  <p:tag name="KSO_WM_TEMPLATE_CATEGORY" val="custom"/>
+  <p:tag name="KSO_WM_TEMPLATE_INDEX" val="20184553"/>
+  <p:tag name="KSO_WM_UNIT_CLEAR" val="0"/>
+  <p:tag name="KSO_WM_UNIT_COMPATIBLE" val="0"/>
+  <p:tag name="KSO_WM_UNIT_HIGHLIGHT" val="0"/>
+  <p:tag name="KSO_WM_UNIT_ISCONTENTSTITLE" val="0"/>
+  <p:tag name="KSO_WM_UNIT_VALUE" val="234"/>
+  <p:tag name="KSO_WM_UNIT_LAYERLEVEL" val="1"/>
+  <p:tag name="KSO_WM_UNIT_INDEX" val="1"/>
+  <p:tag name="KSO_WM_UNIT_ID" val="custom20184553_1*b*1"/>
+  <p:tag name="KSO_WM_UNIT_TYPE" val="b"/>
+  <p:tag name="KSO_WM_BEAUTIFY_FLAG" val="#wm#"/>
+  <p:tag name="KSO_WM_TAG_VERSION" val="1.0"/>
+  <p:tag name="KSO_WM_UNIT_PRESET_TEXT" val="Lorem ipsum dolor sit amet, consectetur adipisicing elit."/>
+</p:tagLst>
+</file>
+
 <file path=ppt/tags/tag7.xml><?xml version="1.0" encoding="utf-8"?>
-<p:tagLst xmlns:p="http://schemas.openxmlformats.org/presentationml/2006/main">
+<p:tagLst xmlns:a="http://schemas.openxmlformats.org/drawingml/2006/main" xmlns:r="http://schemas.openxmlformats.org/officeDocument/2006/relationships" xmlns:p="http://schemas.openxmlformats.org/presentationml/2006/main">
   <p:tag name="KSO_WM_BEAUTIFY_FLAG" val="#wm#"/>
   <p:tag name="KSO_WM_TEMPLATE_CATEGORY" val="custom"/>
   <p:tag name="KSO_WM_TEMPLATE_INDEX" val="20184553"/>
@@ -3921,7 +3925,7 @@
 </file>
 
 <file path=ppt/tags/tag8.xml><?xml version="1.0" encoding="utf-8"?>
-<p:tagLst xmlns:p="http://schemas.openxmlformats.org/presentationml/2006/main">
+<p:tagLst xmlns:a="http://schemas.openxmlformats.org/drawingml/2006/main" xmlns:r="http://schemas.openxmlformats.org/officeDocument/2006/relationships" xmlns:p="http://schemas.openxmlformats.org/presentationml/2006/main">
   <p:tag name="KSO_WM_BEAUTIFY_FLAG" val="#wm#"/>
   <p:tag name="KSO_WM_TEMPLATE_CATEGORY" val="custom"/>
   <p:tag name="KSO_WM_TEMPLATE_INDEX" val="20184553"/>
@@ -3929,7 +3933,7 @@
 </file>
 
 <file path=ppt/tags/tag9.xml><?xml version="1.0" encoding="utf-8"?>
-<p:tagLst xmlns:p="http://schemas.openxmlformats.org/presentationml/2006/main">
+<p:tagLst xmlns:a="http://schemas.openxmlformats.org/drawingml/2006/main" xmlns:r="http://schemas.openxmlformats.org/officeDocument/2006/relationships" xmlns:p="http://schemas.openxmlformats.org/presentationml/2006/main">
   <p:tag name="KSO_WM_BEAUTIFY_FLAG" val="#wm#"/>
   <p:tag name="KSO_WM_TEMPLATE_CATEGORY" val="custom"/>
   <p:tag name="KSO_WM_TEMPLATE_INDEX" val="20184553"/>
@@ -4127,6 +4131,8 @@
       </a:bgFillStyleLst>
     </a:fmtScheme>
   </a:themeElements>
+  <a:objectDefaults/>
+  <a:extraClrSchemeLst/>
   <a:extLst>
     <a:ext uri="{05A4C25C-085E-4340-85A3-A5531E510DB2}">
       <thm15:themeFamily xmlns:thm15="http://schemas.microsoft.com/office/thememl/2012/main" name="Office Theme" id="{62F939B6-93AF-4DB8-9C6B-D6C7DFDC589F}" vid="{4A3C46E8-61CC-4603-A589-7422A47A8E4A}"/>
@@ -4386,6 +4392,8 @@
       </a:bgFillStyleLst>
     </a:fmtScheme>
   </a:themeElements>
+  <a:objectDefaults/>
+  <a:extraClrSchemeLst/>
   <a:extLst>
     <a:ext uri="{05A4C25C-085E-4340-85A3-A5531E510DB2}">
       <thm15:themeFamily xmlns:thm15="http://schemas.microsoft.com/office/thememl/2012/main" name="Office Theme" id="{62F939B6-93AF-4DB8-9C6B-D6C7DFDC589F}" vid="{4A3C46E8-61CC-4603-A589-7422A47A8E4A}"/>
